--- a/AWS_topo_1-bastion.pptx
+++ b/AWS_topo_1-bastion.pptx
@@ -11,6 +11,9 @@
     <p:sldId id="261" r:id="rId5"/>
     <p:sldId id="262" r:id="rId6"/>
     <p:sldId id="263" r:id="rId7"/>
+    <p:sldId id="264" r:id="rId8"/>
+    <p:sldId id="265" r:id="rId9"/>
+    <p:sldId id="266" r:id="rId10"/>
   </p:sldIdLst>
   <p:sldSz cx="12192000" cy="6858000"/>
   <p:notesSz cx="6858000" cy="9144000"/>
@@ -122,7 +125,7 @@
   <pc:docChgLst>
     <pc:chgData name="a.lecetre@gmail.com" userId="bb6a7b4704cc8d37" providerId="LiveId" clId="{45F22731-D28B-40FE-B1C3-04C1F8A35FED}"/>
     <pc:docChg chg="custSel addSld delSld modSld sldOrd">
-      <pc:chgData name="a.lecetre@gmail.com" userId="bb6a7b4704cc8d37" providerId="LiveId" clId="{45F22731-D28B-40FE-B1C3-04C1F8A35FED}" dt="2018-05-27T23:12:41.120" v="943"/>
+      <pc:chgData name="a.lecetre@gmail.com" userId="bb6a7b4704cc8d37" providerId="LiveId" clId="{45F22731-D28B-40FE-B1C3-04C1F8A35FED}" dt="2018-06-01T15:04:59.476" v="1119" actId="478"/>
       <pc:docMkLst>
         <pc:docMk/>
       </pc:docMkLst>
@@ -157,13 +160,6 @@
           </ac:picMkLst>
         </pc:picChg>
       </pc:sldChg>
-      <pc:sldChg chg="del">
-        <pc:chgData name="a.lecetre@gmail.com" userId="bb6a7b4704cc8d37" providerId="LiveId" clId="{45F22731-D28B-40FE-B1C3-04C1F8A35FED}" dt="2018-05-27T21:10:52.409" v="100" actId="2696"/>
-        <pc:sldMkLst>
-          <pc:docMk/>
-          <pc:sldMk cId="2177091424" sldId="258"/>
-        </pc:sldMkLst>
-      </pc:sldChg>
       <pc:sldChg chg="addSp delSp modSp">
         <pc:chgData name="a.lecetre@gmail.com" userId="bb6a7b4704cc8d37" providerId="LiveId" clId="{45F22731-D28B-40FE-B1C3-04C1F8A35FED}" dt="2018-05-27T21:20:34.274" v="207" actId="404"/>
         <pc:sldMkLst>
@@ -179,7 +175,7 @@
           </ac:spMkLst>
         </pc:spChg>
         <pc:spChg chg="add del">
-          <ac:chgData name="a.lecetre@gmail.com" userId="bb6a7b4704cc8d37" providerId="LiveId" clId="{45F22731-D28B-40FE-B1C3-04C1F8A35FED}" dt="2018-05-27T21:10:48.657" v="98"/>
+          <ac:chgData name="a.lecetre@gmail.com" userId="bb6a7b4704cc8d37" providerId="LiveId" clId="{45F22731-D28B-40FE-B1C3-04C1F8A35FED}" dt="2018-05-27T21:10:48.657" v="98" actId="404"/>
           <ac:spMkLst>
             <pc:docMk/>
             <pc:sldMk cId="1513514230" sldId="259"/>
@@ -250,7 +246,7 @@
           </ac:spMkLst>
         </pc:spChg>
         <pc:spChg chg="add del">
-          <ac:chgData name="a.lecetre@gmail.com" userId="bb6a7b4704cc8d37" providerId="LiveId" clId="{45F22731-D28B-40FE-B1C3-04C1F8A35FED}" dt="2018-05-27T21:31:55.360" v="323"/>
+          <ac:chgData name="a.lecetre@gmail.com" userId="bb6a7b4704cc8d37" providerId="LiveId" clId="{45F22731-D28B-40FE-B1C3-04C1F8A35FED}" dt="2018-05-27T21:31:55.360" v="323" actId="20577"/>
           <ac:spMkLst>
             <pc:docMk/>
             <pc:sldMk cId="2040472777" sldId="260"/>
@@ -362,7 +358,7 @@
         </pc:picChg>
       </pc:sldChg>
       <pc:sldChg chg="addSp delSp modSp add">
-        <pc:chgData name="a.lecetre@gmail.com" userId="bb6a7b4704cc8d37" providerId="LiveId" clId="{45F22731-D28B-40FE-B1C3-04C1F8A35FED}" dt="2018-05-27T22:58:40.120" v="919" actId="20577"/>
+        <pc:chgData name="a.lecetre@gmail.com" userId="bb6a7b4704cc8d37" providerId="LiveId" clId="{45F22731-D28B-40FE-B1C3-04C1F8A35FED}" dt="2018-06-01T14:56:52.341" v="956" actId="20577"/>
         <pc:sldMkLst>
           <pc:docMk/>
           <pc:sldMk cId="2628122070" sldId="262"/>
@@ -376,7 +372,7 @@
           </ac:spMkLst>
         </pc:spChg>
         <pc:spChg chg="mod">
-          <ac:chgData name="a.lecetre@gmail.com" userId="bb6a7b4704cc8d37" providerId="LiveId" clId="{45F22731-D28B-40FE-B1C3-04C1F8A35FED}" dt="2018-05-27T22:58:40.120" v="919" actId="20577"/>
+          <ac:chgData name="a.lecetre@gmail.com" userId="bb6a7b4704cc8d37" providerId="LiveId" clId="{45F22731-D28B-40FE-B1C3-04C1F8A35FED}" dt="2018-06-01T14:56:52.341" v="956" actId="20577"/>
           <ac:spMkLst>
             <pc:docMk/>
             <pc:sldMk cId="2628122070" sldId="262"/>
@@ -455,6 +451,123 @@
           </ac:picMkLst>
         </pc:picChg>
       </pc:sldChg>
+      <pc:sldChg chg="addSp delSp modSp add">
+        <pc:chgData name="a.lecetre@gmail.com" userId="bb6a7b4704cc8d37" providerId="LiveId" clId="{45F22731-D28B-40FE-B1C3-04C1F8A35FED}" dt="2018-06-01T14:57:23.526" v="992" actId="20577"/>
+        <pc:sldMkLst>
+          <pc:docMk/>
+          <pc:sldMk cId="838850890" sldId="264"/>
+        </pc:sldMkLst>
+        <pc:spChg chg="mod">
+          <ac:chgData name="a.lecetre@gmail.com" userId="bb6a7b4704cc8d37" providerId="LiveId" clId="{45F22731-D28B-40FE-B1C3-04C1F8A35FED}" dt="2018-06-01T14:57:23.526" v="992" actId="20577"/>
+          <ac:spMkLst>
+            <pc:docMk/>
+            <pc:sldMk cId="838850890" sldId="264"/>
+            <ac:spMk id="2" creationId="{48467490-D05E-413E-86BF-DC292F50B7F6}"/>
+          </ac:spMkLst>
+        </pc:spChg>
+        <pc:spChg chg="del">
+          <ac:chgData name="a.lecetre@gmail.com" userId="bb6a7b4704cc8d37" providerId="LiveId" clId="{45F22731-D28B-40FE-B1C3-04C1F8A35FED}" dt="2018-06-01T14:57:10.292" v="958"/>
+          <ac:spMkLst>
+            <pc:docMk/>
+            <pc:sldMk cId="838850890" sldId="264"/>
+            <ac:spMk id="3" creationId="{2CFA2DEC-494A-49BB-8441-B3F5E269BAAF}"/>
+          </ac:spMkLst>
+        </pc:spChg>
+        <pc:picChg chg="add">
+          <ac:chgData name="a.lecetre@gmail.com" userId="bb6a7b4704cc8d37" providerId="LiveId" clId="{45F22731-D28B-40FE-B1C3-04C1F8A35FED}" dt="2018-06-01T14:57:10.292" v="958"/>
+          <ac:picMkLst>
+            <pc:docMk/>
+            <pc:sldMk cId="838850890" sldId="264"/>
+            <ac:picMk id="1026" creationId="{9728E4D4-E84C-404E-B724-3612643D6F91}"/>
+          </ac:picMkLst>
+        </pc:picChg>
+      </pc:sldChg>
+      <pc:sldChg chg="addSp delSp modSp add">
+        <pc:chgData name="a.lecetre@gmail.com" userId="bb6a7b4704cc8d37" providerId="LiveId" clId="{45F22731-D28B-40FE-B1C3-04C1F8A35FED}" dt="2018-06-01T15:03:05.058" v="1095" actId="313"/>
+        <pc:sldMkLst>
+          <pc:docMk/>
+          <pc:sldMk cId="4059114989" sldId="265"/>
+        </pc:sldMkLst>
+        <pc:spChg chg="mod">
+          <ac:chgData name="a.lecetre@gmail.com" userId="bb6a7b4704cc8d37" providerId="LiveId" clId="{45F22731-D28B-40FE-B1C3-04C1F8A35FED}" dt="2018-06-01T15:02:20.183" v="1016" actId="20577"/>
+          <ac:spMkLst>
+            <pc:docMk/>
+            <pc:sldMk cId="4059114989" sldId="265"/>
+            <ac:spMk id="2" creationId="{8B564727-0D64-412E-ADD4-A0996F37ADA5}"/>
+          </ac:spMkLst>
+        </pc:spChg>
+        <pc:spChg chg="del">
+          <ac:chgData name="a.lecetre@gmail.com" userId="bb6a7b4704cc8d37" providerId="LiveId" clId="{45F22731-D28B-40FE-B1C3-04C1F8A35FED}" dt="2018-06-01T15:02:03.938" v="994"/>
+          <ac:spMkLst>
+            <pc:docMk/>
+            <pc:sldMk cId="4059114989" sldId="265"/>
+            <ac:spMk id="3" creationId="{9E6EAB0F-B38D-43CE-85DF-BD336B1CFCE4}"/>
+          </ac:spMkLst>
+        </pc:spChg>
+        <pc:spChg chg="add mod">
+          <ac:chgData name="a.lecetre@gmail.com" userId="bb6a7b4704cc8d37" providerId="LiveId" clId="{45F22731-D28B-40FE-B1C3-04C1F8A35FED}" dt="2018-06-01T15:03:05.058" v="1095" actId="313"/>
+          <ac:spMkLst>
+            <pc:docMk/>
+            <pc:sldMk cId="4059114989" sldId="265"/>
+            <ac:spMk id="5" creationId="{FCBB20ED-8BFB-4575-9EE8-38D54400A4FF}"/>
+          </ac:spMkLst>
+        </pc:spChg>
+        <pc:picChg chg="add mod">
+          <ac:chgData name="a.lecetre@gmail.com" userId="bb6a7b4704cc8d37" providerId="LiveId" clId="{45F22731-D28B-40FE-B1C3-04C1F8A35FED}" dt="2018-06-01T15:02:03.938" v="994"/>
+          <ac:picMkLst>
+            <pc:docMk/>
+            <pc:sldMk cId="4059114989" sldId="265"/>
+            <ac:picMk id="4" creationId="{FA0E078C-B05C-4292-85E6-4AE7B9C9A9CE}"/>
+          </ac:picMkLst>
+        </pc:picChg>
+      </pc:sldChg>
+      <pc:sldChg chg="addSp delSp modSp add">
+        <pc:chgData name="a.lecetre@gmail.com" userId="bb6a7b4704cc8d37" providerId="LiveId" clId="{45F22731-D28B-40FE-B1C3-04C1F8A35FED}" dt="2018-06-01T15:04:59.476" v="1119" actId="478"/>
+        <pc:sldMkLst>
+          <pc:docMk/>
+          <pc:sldMk cId="102114055" sldId="266"/>
+        </pc:sldMkLst>
+        <pc:spChg chg="mod">
+          <ac:chgData name="a.lecetre@gmail.com" userId="bb6a7b4704cc8d37" providerId="LiveId" clId="{45F22731-D28B-40FE-B1C3-04C1F8A35FED}" dt="2018-06-01T15:03:26.143" v="1113" actId="20577"/>
+          <ac:spMkLst>
+            <pc:docMk/>
+            <pc:sldMk cId="102114055" sldId="266"/>
+            <ac:spMk id="2" creationId="{8B564727-0D64-412E-ADD4-A0996F37ADA5}"/>
+          </ac:spMkLst>
+        </pc:spChg>
+        <pc:spChg chg="del">
+          <ac:chgData name="a.lecetre@gmail.com" userId="bb6a7b4704cc8d37" providerId="LiveId" clId="{45F22731-D28B-40FE-B1C3-04C1F8A35FED}" dt="2018-06-01T15:04:59.476" v="1119" actId="478"/>
+          <ac:spMkLst>
+            <pc:docMk/>
+            <pc:sldMk cId="102114055" sldId="266"/>
+            <ac:spMk id="5" creationId="{FCBB20ED-8BFB-4575-9EE8-38D54400A4FF}"/>
+          </ac:spMkLst>
+        </pc:spChg>
+        <pc:spChg chg="add del mod">
+          <ac:chgData name="a.lecetre@gmail.com" userId="bb6a7b4704cc8d37" providerId="LiveId" clId="{45F22731-D28B-40FE-B1C3-04C1F8A35FED}" dt="2018-06-01T15:04:51.014" v="1118" actId="478"/>
+          <ac:spMkLst>
+            <pc:docMk/>
+            <pc:sldMk cId="102114055" sldId="266"/>
+            <ac:spMk id="6" creationId="{C0B02A70-37EA-42A8-9AFF-E1431D7AFF35}"/>
+          </ac:spMkLst>
+        </pc:spChg>
+        <pc:picChg chg="del mod">
+          <ac:chgData name="a.lecetre@gmail.com" userId="bb6a7b4704cc8d37" providerId="LiveId" clId="{45F22731-D28B-40FE-B1C3-04C1F8A35FED}" dt="2018-06-01T15:04:44.592" v="1115" actId="478"/>
+          <ac:picMkLst>
+            <pc:docMk/>
+            <pc:sldMk cId="102114055" sldId="266"/>
+            <ac:picMk id="4" creationId="{FA0E078C-B05C-4292-85E6-4AE7B9C9A9CE}"/>
+          </ac:picMkLst>
+        </pc:picChg>
+        <pc:picChg chg="add mod">
+          <ac:chgData name="a.lecetre@gmail.com" userId="bb6a7b4704cc8d37" providerId="LiveId" clId="{45F22731-D28B-40FE-B1C3-04C1F8A35FED}" dt="2018-06-01T15:04:46.710" v="1117" actId="1076"/>
+          <ac:picMkLst>
+            <pc:docMk/>
+            <pc:sldMk cId="102114055" sldId="266"/>
+            <ac:picMk id="7" creationId="{6B7AC124-94E4-4474-9319-0A8EF4ACC5BE}"/>
+          </ac:picMkLst>
+        </pc:picChg>
+      </pc:sldChg>
     </pc:docChg>
   </pc:docChgLst>
 </pc:chgInfo>
@@ -609,7 +722,7 @@
           <a:p>
             <a:fld id="{C5B77B9C-02F9-4556-BCFD-08BDC9F79E5C}" type="datetimeFigureOut">
               <a:rPr lang="fr-FR" smtClean="0"/>
-              <a:t>27/05/2018</a:t>
+              <a:t>01/06/2018</a:t>
             </a:fld>
             <a:endParaRPr lang="fr-FR"/>
           </a:p>
@@ -809,7 +922,7 @@
           <a:p>
             <a:fld id="{C5B77B9C-02F9-4556-BCFD-08BDC9F79E5C}" type="datetimeFigureOut">
               <a:rPr lang="fr-FR" smtClean="0"/>
-              <a:t>27/05/2018</a:t>
+              <a:t>01/06/2018</a:t>
             </a:fld>
             <a:endParaRPr lang="fr-FR"/>
           </a:p>
@@ -1019,7 +1132,7 @@
           <a:p>
             <a:fld id="{C5B77B9C-02F9-4556-BCFD-08BDC9F79E5C}" type="datetimeFigureOut">
               <a:rPr lang="fr-FR" smtClean="0"/>
-              <a:t>27/05/2018</a:t>
+              <a:t>01/06/2018</a:t>
             </a:fld>
             <a:endParaRPr lang="fr-FR"/>
           </a:p>
@@ -1219,7 +1332,7 @@
           <a:p>
             <a:fld id="{C5B77B9C-02F9-4556-BCFD-08BDC9F79E5C}" type="datetimeFigureOut">
               <a:rPr lang="fr-FR" smtClean="0"/>
-              <a:t>27/05/2018</a:t>
+              <a:t>01/06/2018</a:t>
             </a:fld>
             <a:endParaRPr lang="fr-FR"/>
           </a:p>
@@ -1495,7 +1608,7 @@
           <a:p>
             <a:fld id="{C5B77B9C-02F9-4556-BCFD-08BDC9F79E5C}" type="datetimeFigureOut">
               <a:rPr lang="fr-FR" smtClean="0"/>
-              <a:t>27/05/2018</a:t>
+              <a:t>01/06/2018</a:t>
             </a:fld>
             <a:endParaRPr lang="fr-FR"/>
           </a:p>
@@ -1763,7 +1876,7 @@
           <a:p>
             <a:fld id="{C5B77B9C-02F9-4556-BCFD-08BDC9F79E5C}" type="datetimeFigureOut">
               <a:rPr lang="fr-FR" smtClean="0"/>
-              <a:t>27/05/2018</a:t>
+              <a:t>01/06/2018</a:t>
             </a:fld>
             <a:endParaRPr lang="fr-FR"/>
           </a:p>
@@ -2178,7 +2291,7 @@
           <a:p>
             <a:fld id="{C5B77B9C-02F9-4556-BCFD-08BDC9F79E5C}" type="datetimeFigureOut">
               <a:rPr lang="fr-FR" smtClean="0"/>
-              <a:t>27/05/2018</a:t>
+              <a:t>01/06/2018</a:t>
             </a:fld>
             <a:endParaRPr lang="fr-FR"/>
           </a:p>
@@ -2320,7 +2433,7 @@
           <a:p>
             <a:fld id="{C5B77B9C-02F9-4556-BCFD-08BDC9F79E5C}" type="datetimeFigureOut">
               <a:rPr lang="fr-FR" smtClean="0"/>
-              <a:t>27/05/2018</a:t>
+              <a:t>01/06/2018</a:t>
             </a:fld>
             <a:endParaRPr lang="fr-FR"/>
           </a:p>
@@ -2433,7 +2546,7 @@
           <a:p>
             <a:fld id="{C5B77B9C-02F9-4556-BCFD-08BDC9F79E5C}" type="datetimeFigureOut">
               <a:rPr lang="fr-FR" smtClean="0"/>
-              <a:t>27/05/2018</a:t>
+              <a:t>01/06/2018</a:t>
             </a:fld>
             <a:endParaRPr lang="fr-FR"/>
           </a:p>
@@ -2746,7 +2859,7 @@
           <a:p>
             <a:fld id="{C5B77B9C-02F9-4556-BCFD-08BDC9F79E5C}" type="datetimeFigureOut">
               <a:rPr lang="fr-FR" smtClean="0"/>
-              <a:t>27/05/2018</a:t>
+              <a:t>01/06/2018</a:t>
             </a:fld>
             <a:endParaRPr lang="fr-FR"/>
           </a:p>
@@ -3035,7 +3148,7 @@
           <a:p>
             <a:fld id="{C5B77B9C-02F9-4556-BCFD-08BDC9F79E5C}" type="datetimeFigureOut">
               <a:rPr lang="fr-FR" smtClean="0"/>
-              <a:t>27/05/2018</a:t>
+              <a:t>01/06/2018</a:t>
             </a:fld>
             <a:endParaRPr lang="fr-FR"/>
           </a:p>
@@ -3278,7 +3391,7 @@
           <a:p>
             <a:fld id="{C5B77B9C-02F9-4556-BCFD-08BDC9F79E5C}" type="datetimeFigureOut">
               <a:rPr lang="fr-FR" smtClean="0"/>
-              <a:t>27/05/2018</a:t>
+              <a:t>01/06/2018</a:t>
             </a:fld>
             <a:endParaRPr lang="fr-FR"/>
           </a:p>
@@ -4526,20 +4639,20 @@
           <a:p>
             <a:r>
               <a:rPr lang="en-US" sz="1800" dirty="0"/>
-              <a:t>NAT instance name : NAT-Bastion</a:t>
+              <a:t>NAT instance name : NAT</a:t>
             </a:r>
           </a:p>
           <a:p>
             <a:pPr lvl="1"/>
             <a:r>
-              <a:rPr lang="en-US" sz="1400" dirty="0"/>
+              <a:rPr lang="en-US" sz="1000" dirty="0"/>
               <a:t>Created from an </a:t>
             </a:r>
             <a:r>
-              <a:rPr lang="en-US" sz="1400" dirty="0" err="1"/>
+              <a:rPr lang="en-US" sz="1000" dirty="0" err="1"/>
               <a:t>AMI:amzn-ami-vpc-nat</a:t>
             </a:r>
-            <a:endParaRPr lang="en-US" sz="1400" dirty="0"/>
+            <a:endParaRPr lang="en-US" sz="1000" dirty="0"/>
           </a:p>
           <a:p>
             <a:pPr lvl="1"/>
@@ -4736,6 +4849,330 @@
     <p:extLst>
       <p:ext uri="{BB962C8B-B14F-4D97-AF65-F5344CB8AC3E}">
         <p14:creationId xmlns:p14="http://schemas.microsoft.com/office/powerpoint/2010/main" val="2115068265"/>
+      </p:ext>
+    </p:extLst>
+  </p:cSld>
+  <p:clrMapOvr>
+    <a:masterClrMapping/>
+  </p:clrMapOvr>
+</p:sld>
+</file>
+
+<file path=ppt/slides/slide7.xml><?xml version="1.0" encoding="utf-8"?>
+<p:sld xmlns:a="http://schemas.openxmlformats.org/drawingml/2006/main" xmlns:r="http://schemas.openxmlformats.org/officeDocument/2006/relationships" xmlns:p="http://schemas.openxmlformats.org/presentationml/2006/main">
+  <p:cSld>
+    <p:spTree>
+      <p:nvGrpSpPr>
+        <p:cNvPr id="1" name=""/>
+        <p:cNvGrpSpPr/>
+        <p:nvPr/>
+      </p:nvGrpSpPr>
+      <p:grpSpPr>
+        <a:xfrm>
+          <a:off x="0" y="0"/>
+          <a:ext cx="0" cy="0"/>
+          <a:chOff x="0" y="0"/>
+          <a:chExt cx="0" cy="0"/>
+        </a:xfrm>
+      </p:grpSpPr>
+      <p:sp>
+        <p:nvSpPr>
+          <p:cNvPr id="2" name="Title 1">
+            <a:extLst>
+              <a:ext uri="{FF2B5EF4-FFF2-40B4-BE49-F238E27FC236}">
+                <a16:creationId xmlns:a16="http://schemas.microsoft.com/office/drawing/2014/main" id="{48467490-D05E-413E-86BF-DC292F50B7F6}"/>
+              </a:ext>
+            </a:extLst>
+          </p:cNvPr>
+          <p:cNvSpPr>
+            <a:spLocks noGrp="1"/>
+          </p:cNvSpPr>
+          <p:nvPr>
+            <p:ph type="title"/>
+          </p:nvPr>
+        </p:nvSpPr>
+        <p:spPr/>
+        <p:txBody>
+          <a:bodyPr/>
+          <a:lstStyle/>
+          <a:p>
+            <a:r>
+              <a:rPr lang="en-US" dirty="0"/>
+              <a:t>Public NAT instance creation</a:t>
+            </a:r>
+            <a:endParaRPr lang="fr-FR" dirty="0"/>
+          </a:p>
+        </p:txBody>
+      </p:sp>
+      <p:pic>
+        <p:nvPicPr>
+          <p:cNvPr id="1026" name="Picture 2" descr="https://documents.lucidchart.com/documents/3541d9db-5527-49fa-b3d7-34b3e243f8f5/pages/0_0?a=326&amp;x=189&amp;y=-32&amp;w=682&amp;h=725&amp;store=1&amp;accept=image%2F*&amp;auth=LCA%202b6bfa94fb2785429e6085b0160aa4f6e3fe460c-ts%3D1527864945">
+            <a:extLst>
+              <a:ext uri="{FF2B5EF4-FFF2-40B4-BE49-F238E27FC236}">
+                <a16:creationId xmlns:a16="http://schemas.microsoft.com/office/drawing/2014/main" id="{9728E4D4-E84C-404E-B724-3612643D6F91}"/>
+              </a:ext>
+            </a:extLst>
+          </p:cNvPr>
+          <p:cNvPicPr>
+            <a:picLocks noGrp="1" noChangeAspect="1" noChangeArrowheads="1"/>
+          </p:cNvPicPr>
+          <p:nvPr>
+            <p:ph idx="1"/>
+          </p:nvPr>
+        </p:nvPicPr>
+        <p:blipFill>
+          <a:blip r:embed="rId2">
+            <a:extLst>
+              <a:ext uri="{28A0092B-C50C-407E-A947-70E740481C1C}">
+                <a14:useLocalDpi xmlns:a14="http://schemas.microsoft.com/office/drawing/2010/main" val="0"/>
+              </a:ext>
+            </a:extLst>
+          </a:blip>
+          <a:srcRect/>
+          <a:stretch>
+            <a:fillRect/>
+          </a:stretch>
+        </p:blipFill>
+        <p:spPr bwMode="auto">
+          <a:xfrm>
+            <a:off x="4147119" y="1929536"/>
+            <a:ext cx="3897762" cy="4143515"/>
+          </a:xfrm>
+          <a:prstGeom prst="rect">
+            <a:avLst/>
+          </a:prstGeom>
+          <a:noFill/>
+          <a:extLst>
+            <a:ext uri="{909E8E84-426E-40DD-AFC4-6F175D3DCCD1}">
+              <a14:hiddenFill xmlns:a14="http://schemas.microsoft.com/office/drawing/2010/main">
+                <a:solidFill>
+                  <a:srgbClr val="FFFFFF"/>
+                </a:solidFill>
+              </a14:hiddenFill>
+            </a:ext>
+          </a:extLst>
+        </p:spPr>
+      </p:pic>
+    </p:spTree>
+    <p:extLst>
+      <p:ext uri="{BB962C8B-B14F-4D97-AF65-F5344CB8AC3E}">
+        <p14:creationId xmlns:p14="http://schemas.microsoft.com/office/powerpoint/2010/main" val="838850890"/>
+      </p:ext>
+    </p:extLst>
+  </p:cSld>
+  <p:clrMapOvr>
+    <a:masterClrMapping/>
+  </p:clrMapOvr>
+</p:sld>
+</file>
+
+<file path=ppt/slides/slide8.xml><?xml version="1.0" encoding="utf-8"?>
+<p:sld xmlns:a="http://schemas.openxmlformats.org/drawingml/2006/main" xmlns:r="http://schemas.openxmlformats.org/officeDocument/2006/relationships" xmlns:p="http://schemas.openxmlformats.org/presentationml/2006/main">
+  <p:cSld>
+    <p:spTree>
+      <p:nvGrpSpPr>
+        <p:cNvPr id="1" name=""/>
+        <p:cNvGrpSpPr/>
+        <p:nvPr/>
+      </p:nvGrpSpPr>
+      <p:grpSpPr>
+        <a:xfrm>
+          <a:off x="0" y="0"/>
+          <a:ext cx="0" cy="0"/>
+          <a:chOff x="0" y="0"/>
+          <a:chExt cx="0" cy="0"/>
+        </a:xfrm>
+      </p:grpSpPr>
+      <p:sp>
+        <p:nvSpPr>
+          <p:cNvPr id="2" name="Title 1">
+            <a:extLst>
+              <a:ext uri="{FF2B5EF4-FFF2-40B4-BE49-F238E27FC236}">
+                <a16:creationId xmlns:a16="http://schemas.microsoft.com/office/drawing/2014/main" id="{8B564727-0D64-412E-ADD4-A0996F37ADA5}"/>
+              </a:ext>
+            </a:extLst>
+          </p:cNvPr>
+          <p:cNvSpPr>
+            <a:spLocks noGrp="1"/>
+          </p:cNvSpPr>
+          <p:nvPr>
+            <p:ph type="title"/>
+          </p:nvPr>
+        </p:nvSpPr>
+        <p:spPr/>
+        <p:txBody>
+          <a:bodyPr/>
+          <a:lstStyle/>
+          <a:p>
+            <a:r>
+              <a:rPr lang="en-US" dirty="0"/>
+              <a:t>Connection to Bastion</a:t>
+            </a:r>
+            <a:endParaRPr lang="fr-FR" dirty="0"/>
+          </a:p>
+        </p:txBody>
+      </p:sp>
+      <p:pic>
+        <p:nvPicPr>
+          <p:cNvPr id="4" name="Content Placeholder 3">
+            <a:extLst>
+              <a:ext uri="{FF2B5EF4-FFF2-40B4-BE49-F238E27FC236}">
+                <a16:creationId xmlns:a16="http://schemas.microsoft.com/office/drawing/2014/main" id="{FA0E078C-B05C-4292-85E6-4AE7B9C9A9CE}"/>
+              </a:ext>
+            </a:extLst>
+          </p:cNvPr>
+          <p:cNvPicPr>
+            <a:picLocks noGrp="1" noChangeAspect="1"/>
+          </p:cNvPicPr>
+          <p:nvPr>
+            <p:ph idx="1"/>
+          </p:nvPr>
+        </p:nvPicPr>
+        <p:blipFill>
+          <a:blip r:embed="rId2"/>
+          <a:stretch>
+            <a:fillRect/>
+          </a:stretch>
+        </p:blipFill>
+        <p:spPr>
+          <a:xfrm>
+            <a:off x="2628900" y="2448719"/>
+            <a:ext cx="6934200" cy="3105150"/>
+          </a:xfrm>
+          <a:prstGeom prst="rect">
+            <a:avLst/>
+          </a:prstGeom>
+        </p:spPr>
+      </p:pic>
+      <p:sp>
+        <p:nvSpPr>
+          <p:cNvPr id="5" name="TextBox 4">
+            <a:extLst>
+              <a:ext uri="{FF2B5EF4-FFF2-40B4-BE49-F238E27FC236}">
+                <a16:creationId xmlns:a16="http://schemas.microsoft.com/office/drawing/2014/main" id="{FCBB20ED-8BFB-4575-9EE8-38D54400A4FF}"/>
+              </a:ext>
+            </a:extLst>
+          </p:cNvPr>
+          <p:cNvSpPr txBox="1"/>
+          <p:nvPr/>
+        </p:nvSpPr>
+        <p:spPr>
+          <a:xfrm>
+            <a:off x="1186961" y="1503485"/>
+            <a:ext cx="8212015" cy="369332"/>
+          </a:xfrm>
+          <a:prstGeom prst="rect">
+            <a:avLst/>
+          </a:prstGeom>
+          <a:noFill/>
+        </p:spPr>
+        <p:txBody>
+          <a:bodyPr wrap="square" rtlCol="0">
+            <a:spAutoFit/>
+          </a:bodyPr>
+          <a:lstStyle/>
+          <a:p>
+            <a:r>
+              <a:rPr lang="en-US" dirty="0"/>
+              <a:t>First, go to directory containing the key pairs (“Downloads” here)</a:t>
+            </a:r>
+            <a:endParaRPr lang="fr-FR" dirty="0"/>
+          </a:p>
+        </p:txBody>
+      </p:sp>
+    </p:spTree>
+    <p:extLst>
+      <p:ext uri="{BB962C8B-B14F-4D97-AF65-F5344CB8AC3E}">
+        <p14:creationId xmlns:p14="http://schemas.microsoft.com/office/powerpoint/2010/main" val="4059114989"/>
+      </p:ext>
+    </p:extLst>
+  </p:cSld>
+  <p:clrMapOvr>
+    <a:masterClrMapping/>
+  </p:clrMapOvr>
+</p:sld>
+</file>
+
+<file path=ppt/slides/slide9.xml><?xml version="1.0" encoding="utf-8"?>
+<p:sld xmlns:a="http://schemas.openxmlformats.org/drawingml/2006/main" xmlns:r="http://schemas.openxmlformats.org/officeDocument/2006/relationships" xmlns:p="http://schemas.openxmlformats.org/presentationml/2006/main">
+  <p:cSld>
+    <p:spTree>
+      <p:nvGrpSpPr>
+        <p:cNvPr id="1" name=""/>
+        <p:cNvGrpSpPr/>
+        <p:nvPr/>
+      </p:nvGrpSpPr>
+      <p:grpSpPr>
+        <a:xfrm>
+          <a:off x="0" y="0"/>
+          <a:ext cx="0" cy="0"/>
+          <a:chOff x="0" y="0"/>
+          <a:chExt cx="0" cy="0"/>
+        </a:xfrm>
+      </p:grpSpPr>
+      <p:sp>
+        <p:nvSpPr>
+          <p:cNvPr id="2" name="Title 1">
+            <a:extLst>
+              <a:ext uri="{FF2B5EF4-FFF2-40B4-BE49-F238E27FC236}">
+                <a16:creationId xmlns:a16="http://schemas.microsoft.com/office/drawing/2014/main" id="{8B564727-0D64-412E-ADD4-A0996F37ADA5}"/>
+              </a:ext>
+            </a:extLst>
+          </p:cNvPr>
+          <p:cNvSpPr>
+            <a:spLocks noGrp="1"/>
+          </p:cNvSpPr>
+          <p:nvPr>
+            <p:ph type="title"/>
+          </p:nvPr>
+        </p:nvSpPr>
+        <p:spPr/>
+        <p:txBody>
+          <a:bodyPr/>
+          <a:lstStyle/>
+          <a:p>
+            <a:r>
+              <a:rPr lang="en-US" dirty="0"/>
+              <a:t>Connection to private instance </a:t>
+            </a:r>
+            <a:endParaRPr lang="fr-FR" dirty="0"/>
+          </a:p>
+        </p:txBody>
+      </p:sp>
+      <p:pic>
+        <p:nvPicPr>
+          <p:cNvPr id="7" name="Picture 6">
+            <a:extLst>
+              <a:ext uri="{FF2B5EF4-FFF2-40B4-BE49-F238E27FC236}">
+                <a16:creationId xmlns:a16="http://schemas.microsoft.com/office/drawing/2014/main" id="{6B7AC124-94E4-4474-9319-0A8EF4ACC5BE}"/>
+              </a:ext>
+            </a:extLst>
+          </p:cNvPr>
+          <p:cNvPicPr>
+            <a:picLocks noChangeAspect="1"/>
+          </p:cNvPicPr>
+          <p:nvPr/>
+        </p:nvPicPr>
+        <p:blipFill>
+          <a:blip r:embed="rId2"/>
+          <a:stretch>
+            <a:fillRect/>
+          </a:stretch>
+        </p:blipFill>
+        <p:spPr>
+          <a:xfrm>
+            <a:off x="2121143" y="2100840"/>
+            <a:ext cx="6343650" cy="3848100"/>
+          </a:xfrm>
+          <a:prstGeom prst="rect">
+            <a:avLst/>
+          </a:prstGeom>
+        </p:spPr>
+      </p:pic>
+    </p:spTree>
+    <p:extLst>
+      <p:ext uri="{BB962C8B-B14F-4D97-AF65-F5344CB8AC3E}">
+        <p14:creationId xmlns:p14="http://schemas.microsoft.com/office/powerpoint/2010/main" val="102114055"/>
       </p:ext>
     </p:extLst>
   </p:cSld>
